--- a/apresentacao.pptx
+++ b/apresentacao.pptx
@@ -15169,7 +15169,7 @@
           <a:p>
             <a:r>
               <a:rPr lang="pt-PT" dirty="0"/>
-              <a:t>Integração com Redes Sociais: Partilhar de eventos e inscrições diretas por redes sociais.</a:t>
+              <a:t>Integração com Redes Sociais: Partilha de eventos e inscrições diretas por redes sociais.</a:t>
             </a:r>
           </a:p>
           <a:p>
